--- a/docs/diagrams/LogicComponentUndoCommandSequenceDiagram.pptx
+++ b/docs/diagrams/LogicComponentUndoCommandSequenceDiagram.pptx
@@ -104,6 +104,11 @@
       </a:defRPr>
     </a:lvl9pPr>
   </p:defaultTextStyle>
+  <p:extLst>
+    <p:ext uri="{EFAFB233-063F-42B5-8137-9DF3F51BA10A}">
+      <p15:sldGuideLst xmlns:p15="http://schemas.microsoft.com/office/powerpoint/2012/main"/>
+    </p:ext>
+  </p:extLst>
 </p:presentation>
 </file>
 
@@ -2972,16 +2977,16 @@
         </p:nvSpPr>
         <p:spPr>
           <a:xfrm>
-            <a:off x="1939304" y="293303"/>
-            <a:ext cx="8382000" cy="6172200"/>
+            <a:off x="1512093" y="562461"/>
+            <a:ext cx="9236423" cy="5783578"/>
           </a:xfrm>
           <a:prstGeom prst="rect">
             <a:avLst/>
           </a:prstGeom>
           <a:solidFill>
             <a:schemeClr val="accent1">
-              <a:lumMod val="40000"/>
-              <a:lumOff val="60000"/>
+              <a:lumMod val="20000"/>
+              <a:lumOff val="80000"/>
             </a:schemeClr>
           </a:solidFill>
           <a:ln>
@@ -3301,11 +3306,6 @@
                 </a:rPr>
                 <a:t>execute(“undo”)</a:t>
               </a:r>
-              <a:endParaRPr lang="en-US" sz="1400" dirty="0">
-                <a:solidFill>
-                  <a:srgbClr val="0070C0"/>
-                </a:solidFill>
-              </a:endParaRPr>
             </a:p>
           </p:txBody>
         </p:sp>
@@ -3382,7 +3382,6 @@
                 <a:rPr lang="en-US" dirty="0"/>
                 <a:t>result</a:t>
               </a:r>
-              <a:endParaRPr lang="en-US" dirty="0"/>
             </a:p>
           </p:txBody>
         </p:sp>
@@ -3528,23 +3527,7 @@
                     <a:schemeClr val="bg1"/>
                   </a:solidFill>
                 </a:rPr>
-                <a:t>:</a:t>
-              </a:r>
-              <a:r>
-                <a:rPr lang="en-US" sz="1600" dirty="0">
-                  <a:solidFill>
-                    <a:schemeClr val="bg1"/>
-                  </a:solidFill>
-                </a:rPr>
-                <a:t>P</a:t>
-              </a:r>
-              <a:r>
-                <a:rPr lang="en-US" sz="1600" dirty="0">
-                  <a:solidFill>
-                    <a:schemeClr val="bg1"/>
-                  </a:solidFill>
-                </a:rPr>
-                <a:t>arser</a:t>
+                <a:t>:Parser</a:t>
               </a:r>
               <a:endParaRPr lang="en-SG" sz="1600" dirty="0">
                 <a:solidFill>
@@ -3638,7 +3621,6 @@
                 <a:rPr lang="en-US" dirty="0"/>
                 <a:t>parse(“undo”)</a:t>
               </a:r>
-              <a:endParaRPr lang="en-US" dirty="0"/>
             </a:p>
           </p:txBody>
         </p:sp>
@@ -4037,7 +4019,6 @@
                   <a:rPr lang="en-US" dirty="0"/>
                   <a:t>Command()</a:t>
                 </a:r>
-                <a:endParaRPr lang="en-US" dirty="0"/>
               </a:p>
             </p:txBody>
           </p:sp>
@@ -4600,7 +4581,6 @@
                   <a:rPr lang="en-US" dirty="0"/>
                   <a:t>a</a:t>
                 </a:r>
-                <a:endParaRPr lang="en-US" dirty="0"/>
               </a:p>
             </p:txBody>
           </p:sp>
@@ -4914,11 +4894,6 @@
               </a:rPr>
               <a:t>(t)</a:t>
             </a:r>
-            <a:endParaRPr lang="en-US" dirty="0">
-              <a:solidFill>
-                <a:schemeClr val="accent5"/>
-              </a:solidFill>
-            </a:endParaRPr>
           </a:p>
         </p:txBody>
       </p:sp>
@@ -5261,7 +5236,6 @@
                 <a:rPr lang="en-US" dirty="0"/>
                 <a:t>()</a:t>
               </a:r>
-              <a:endParaRPr lang="en-US" dirty="0"/>
             </a:p>
           </p:txBody>
         </p:sp>
@@ -5395,7 +5369,6 @@
                 <a:rPr lang="en-US" dirty="0"/>
                 <a:t>result</a:t>
               </a:r>
-              <a:endParaRPr lang="en-US" dirty="0"/>
             </a:p>
           </p:txBody>
         </p:sp>
@@ -5489,7 +5462,6 @@
                 <a:rPr lang="en-US" dirty="0"/>
                 <a:t>result</a:t>
               </a:r>
-              <a:endParaRPr lang="en-US" dirty="0"/>
             </a:p>
           </p:txBody>
         </p:sp>
